--- a/Water_Pump_Model_Summary.pptx
+++ b/Water_Pump_Model_Summary.pptx
@@ -564,7 +564,7 @@
             </a:ln>
             <a:extLst>
               <a:ext uri="{91240B29-F687-4f45-9708-019B960494DF}">
-                <a14:hiddenLine xmlns:a14="http://schemas.microsoft.com/office/drawing/2010/main" xmlns="" w="9525">
+                <a14:hiddenLine xmlns="" xmlns:a14="http://schemas.microsoft.com/office/drawing/2010/main" w="9525">
                   <a:solidFill>
                     <a:srgbClr val="000000"/>
                   </a:solidFill>
@@ -1645,7 +1645,7 @@
             </a:ln>
             <a:extLst>
               <a:ext uri="{91240B29-F687-4f45-9708-019B960494DF}">
-                <a14:hiddenLine xmlns:a14="http://schemas.microsoft.com/office/drawing/2010/main" xmlns="" w="9525">
+                <a14:hiddenLine xmlns="" xmlns:a14="http://schemas.microsoft.com/office/drawing/2010/main" w="9525">
                   <a:solidFill>
                     <a:srgbClr val="000000"/>
                   </a:solidFill>
@@ -2731,7 +2731,7 @@
             </a:ln>
             <a:extLst>
               <a:ext uri="{91240B29-F687-4f45-9708-019B960494DF}">
-                <a14:hiddenLine xmlns:a14="http://schemas.microsoft.com/office/drawing/2010/main" xmlns="" w="9525">
+                <a14:hiddenLine xmlns="" xmlns:a14="http://schemas.microsoft.com/office/drawing/2010/main" w="9525">
                   <a:solidFill>
                     <a:srgbClr val="000000"/>
                   </a:solidFill>
@@ -3692,7 +3692,7 @@
             </a:ln>
             <a:extLst>
               <a:ext uri="{91240B29-F687-4f45-9708-019B960494DF}">
-                <a14:hiddenLine xmlns:a14="http://schemas.microsoft.com/office/drawing/2010/main" xmlns="" w="9525">
+                <a14:hiddenLine xmlns="" xmlns:a14="http://schemas.microsoft.com/office/drawing/2010/main" w="9525">
                   <a:solidFill>
                     <a:srgbClr val="000000"/>
                   </a:solidFill>
@@ -4807,7 +4807,7 @@
             </a:ln>
             <a:extLst>
               <a:ext uri="{91240B29-F687-4f45-9708-019B960494DF}">
-                <a14:hiddenLine xmlns:a14="http://schemas.microsoft.com/office/drawing/2010/main" xmlns="" w="9525">
+                <a14:hiddenLine xmlns="" xmlns:a14="http://schemas.microsoft.com/office/drawing/2010/main" w="9525">
                   <a:solidFill>
                     <a:srgbClr val="000000"/>
                   </a:solidFill>
@@ -7556,7 +7556,7 @@
           </a:ln>
           <a:extLst>
             <a:ext uri="{91240B29-F687-4f45-9708-019B960494DF}">
-              <a14:hiddenLine xmlns:a14="http://schemas.microsoft.com/office/drawing/2010/main" xmlns="" w="9525">
+              <a14:hiddenLine xmlns="" xmlns:a14="http://schemas.microsoft.com/office/drawing/2010/main" w="9525">
                 <a:solidFill>
                   <a:srgbClr val="000000"/>
                 </a:solidFill>
@@ -8731,7 +8731,7 @@
             </a:ln>
             <a:extLst>
               <a:ext uri="{91240B29-F687-4f45-9708-019B960494DF}">
-                <a14:hiddenLine xmlns:a14="http://schemas.microsoft.com/office/drawing/2010/main" xmlns="" w="9525">
+                <a14:hiddenLine xmlns="" xmlns:a14="http://schemas.microsoft.com/office/drawing/2010/main" w="9525">
                   <a:solidFill>
                     <a:srgbClr val="000000"/>
                   </a:solidFill>
@@ -10699,7 +10699,7 @@
             </a:ln>
             <a:extLst>
               <a:ext uri="{91240B29-F687-4f45-9708-019B960494DF}">
-                <a14:hiddenLine xmlns:a14="http://schemas.microsoft.com/office/drawing/2010/main" xmlns="" w="9525">
+                <a14:hiddenLine xmlns="" xmlns:a14="http://schemas.microsoft.com/office/drawing/2010/main" w="9525">
                   <a:solidFill>
                     <a:srgbClr val="000000"/>
                   </a:solidFill>
@@ -11757,7 +11757,7 @@
             </a:ln>
             <a:extLst>
               <a:ext uri="{91240B29-F687-4f45-9708-019B960494DF}">
-                <a14:hiddenLine xmlns:a14="http://schemas.microsoft.com/office/drawing/2010/main" xmlns="" w="9525">
+                <a14:hiddenLine xmlns="" xmlns:a14="http://schemas.microsoft.com/office/drawing/2010/main" w="9525">
                   <a:solidFill>
                     <a:srgbClr val="000000"/>
                   </a:solidFill>
@@ -12807,7 +12807,7 @@
             </a:ln>
             <a:extLst>
               <a:ext uri="{91240B29-F687-4f45-9708-019B960494DF}">
-                <a14:hiddenLine xmlns:a14="http://schemas.microsoft.com/office/drawing/2010/main" xmlns="" w="9525">
+                <a14:hiddenLine xmlns="" xmlns:a14="http://schemas.microsoft.com/office/drawing/2010/main" w="9525">
                   <a:solidFill>
                     <a:srgbClr val="000000"/>
                   </a:solidFill>
@@ -13656,13 +13656,13 @@
   <p:clrMapOvr>
     <a:masterClrMapping/>
   </p:clrMapOvr>
-  <mc:AlternateContent xmlns:mc="http://schemas.openxmlformats.org/markup-compatibility/2006">
-    <mc:Choice xmlns:p14="http://schemas.microsoft.com/office/powerpoint/2010/main" Requires="p14">
+  <mc:AlternateContent xmlns:mc="http://schemas.openxmlformats.org/markup-compatibility/2006" xmlns:p14="http://schemas.microsoft.com/office/powerpoint/2010/main">
+    <mc:Choice Requires="p14">
       <p:transition spd="slow" p14:dur="1500">
         <p:split orient="vert"/>
       </p:transition>
     </mc:Choice>
-    <mc:Fallback>
+    <mc:Fallback xmlns="">
       <p:transition spd="slow">
         <p:split orient="vert"/>
       </p:transition>
@@ -14110,13 +14110,13 @@
   <p:clrMapOvr>
     <a:masterClrMapping/>
   </p:clrMapOvr>
-  <mc:AlternateContent xmlns:mc="http://schemas.openxmlformats.org/markup-compatibility/2006">
-    <mc:Choice xmlns:p159="http://schemas.microsoft.com/office/powerpoint/2015/09/main" Requires="p159">
+  <mc:AlternateContent xmlns:mc="http://schemas.openxmlformats.org/markup-compatibility/2006" xmlns:p159="http://schemas.microsoft.com/office/powerpoint/2015/09/main">
+    <mc:Choice Requires="p159">
       <p:transition xmlns:p14="http://schemas.microsoft.com/office/powerpoint/2010/main" spd="slow" p14:dur="2000">
         <p159:morph option="byObject"/>
       </p:transition>
     </mc:Choice>
-    <mc:Fallback>
+    <mc:Fallback xmlns="">
       <p:transition spd="slow">
         <p:fade/>
       </p:transition>
@@ -14236,7 +14236,7 @@
         <p:spPr>
           <a:xfrm>
             <a:off x="609600" y="4897820"/>
-            <a:ext cx="7598979" cy="1323439"/>
+            <a:ext cx="7598979" cy="1015663"/>
           </a:xfrm>
           <a:prstGeom prst="rect">
             <a:avLst/>
@@ -14249,56 +14249,11 @@
           </a:bodyPr>
           <a:lstStyle/>
           <a:p>
-            <a:r>
-              <a:rPr lang="en-US" sz="2000" dirty="0">
-                <a:solidFill>
-                  <a:srgbClr val="0070C0"/>
-                </a:solidFill>
-              </a:rPr>
-              <a:t>Eric </a:t>
-            </a:r>
-            <a:r>
-              <a:rPr lang="en-US" sz="2000" dirty="0" err="1">
-                <a:solidFill>
-                  <a:srgbClr val="0070C0"/>
-                </a:solidFill>
-              </a:rPr>
-              <a:t>Maiben</a:t>
-            </a:r>
-            <a:r>
-              <a:rPr lang="en-US" sz="2000" dirty="0">
-                <a:solidFill>
-                  <a:srgbClr val="0070C0"/>
-                </a:solidFill>
-              </a:rPr>
-              <a:t> </a:t>
-            </a:r>
-            <a:r>
-              <a:rPr lang="en-US" sz="2000" dirty="0" err="1">
-                <a:solidFill>
-                  <a:srgbClr val="0070C0"/>
-                </a:solidFill>
-              </a:rPr>
-              <a:t>Okacha</a:t>
-            </a:r>
-            <a:r>
-              <a:rPr lang="en-US" sz="2000" dirty="0">
-                <a:solidFill>
-                  <a:srgbClr val="0070C0"/>
-                </a:solidFill>
-              </a:rPr>
-              <a:t>- Data Scientist</a:t>
-            </a:r>
-          </a:p>
-          <a:p>
-            <a:r>
-              <a:rPr lang="en-US" sz="2000" dirty="0">
-                <a:solidFill>
-                  <a:srgbClr val="0070C0"/>
-                </a:solidFill>
-              </a:rPr>
-              <a:t>Moringa School</a:t>
-            </a:r>
+            <a:endParaRPr lang="en-US" sz="2000" dirty="0">
+              <a:solidFill>
+                <a:srgbClr val="0070C0"/>
+              </a:solidFill>
+            </a:endParaRPr>
           </a:p>
           <a:p>
             <a:r>
@@ -14315,33 +14270,17 @@
                   <a:srgbClr val="0070C0"/>
                 </a:solidFill>
               </a:rPr>
-              <a:t> Profile : </a:t>
+              <a:t> Profile : Nick Mwai</a:t>
             </a:r>
+          </a:p>
+          <a:p>
             <a:r>
               <a:rPr lang="en-US" sz="2000" dirty="0" err="1">
                 <a:solidFill>
                   <a:srgbClr val="0070C0"/>
                 </a:solidFill>
               </a:rPr>
-              <a:t>Maiben</a:t>
-            </a:r>
-            <a:r>
-              <a:rPr lang="en-US" sz="2000" dirty="0">
-                <a:solidFill>
-                  <a:srgbClr val="0070C0"/>
-                </a:solidFill>
-              </a:rPr>
-              <a:t> Eric</a:t>
-            </a:r>
-          </a:p>
-          <a:p>
-            <a:r>
-              <a:rPr lang="en-US" sz="2000" dirty="0" err="1">
-                <a:solidFill>
-                  <a:srgbClr val="0070C0"/>
-                </a:solidFill>
-              </a:rPr>
-              <a:t>Email:eric.okacha@student.moringaschool.com</a:t>
+              <a:t>Email:nick.nduhiu@student.moringaschool.com</a:t>
             </a:r>
             <a:endParaRPr lang="en-US" sz="2000" dirty="0">
               <a:solidFill>
